--- a/codes/Test simulation/Test Configurations.pptx
+++ b/codes/Test simulation/Test Configurations.pptx
@@ -2723,7 +2723,7 @@
             </a:pPr>
             <a:fld id="{00000000-1234-1234-1234-123412341234}" type="slidenum">
               <a:rPr lang="en-US"/>
-              <a:t>‹#›</a:t>
+              <a:t>‹Nr.›</a:t>
             </a:fld>
             <a:endParaRPr/>
           </a:p>
@@ -3699,7 +3699,7 @@
             </a:pPr>
             <a:fld id="{00000000-1234-1234-1234-123412341234}" type="slidenum">
               <a:rPr lang="en-US"/>
-              <a:t>‹#›</a:t>
+              <a:t>‹Nr.›</a:t>
             </a:fld>
             <a:endParaRPr/>
           </a:p>
@@ -4675,7 +4675,7 @@
             </a:pPr>
             <a:fld id="{00000000-1234-1234-1234-123412341234}" type="slidenum">
               <a:rPr lang="en-US"/>
-              <a:t>‹#›</a:t>
+              <a:t>‹Nr.›</a:t>
             </a:fld>
             <a:endParaRPr/>
           </a:p>
@@ -5652,7 +5652,7 @@
             </a:pPr>
             <a:fld id="{00000000-1234-1234-1234-123412341234}" type="slidenum">
               <a:rPr lang="en-US"/>
-              <a:t>‹#›</a:t>
+              <a:t>‹Nr.›</a:t>
             </a:fld>
             <a:endParaRPr/>
           </a:p>
@@ -6628,7 +6628,7 @@
             </a:pPr>
             <a:fld id="{00000000-1234-1234-1234-123412341234}" type="slidenum">
               <a:rPr lang="en-US"/>
-              <a:t>‹#›</a:t>
+              <a:t>‹Nr.›</a:t>
             </a:fld>
             <a:endParaRPr/>
           </a:p>
@@ -7641,7 +7641,7 @@
             </a:pPr>
             <a:fld id="{00000000-1234-1234-1234-123412341234}" type="slidenum">
               <a:rPr lang="en-US"/>
-              <a:t>‹#›</a:t>
+              <a:t>‹Nr.›</a:t>
             </a:fld>
             <a:endParaRPr/>
           </a:p>
@@ -8804,7 +8804,7 @@
             </a:pPr>
             <a:fld id="{00000000-1234-1234-1234-123412341234}" type="slidenum">
               <a:rPr lang="en-US"/>
-              <a:t>‹#›</a:t>
+              <a:t>‹Nr.›</a:t>
             </a:fld>
             <a:endParaRPr/>
           </a:p>
@@ -10341,7 +10341,7 @@
             </a:pPr>
             <a:fld id="{00000000-1234-1234-1234-123412341234}" type="slidenum">
               <a:rPr lang="en-US"/>
-              <a:t>‹#›</a:t>
+              <a:t>‹Nr.›</a:t>
             </a:fld>
             <a:endParaRPr/>
           </a:p>
@@ -10967,7 +10967,7 @@
             </a:pPr>
             <a:fld id="{00000000-1234-1234-1234-123412341234}" type="slidenum">
               <a:rPr lang="en-US"/>
-              <a:t>‹#›</a:t>
+              <a:t>‹Nr.›</a:t>
             </a:fld>
             <a:endParaRPr/>
           </a:p>
@@ -12131,7 +12131,7 @@
             </a:pPr>
             <a:fld id="{00000000-1234-1234-1234-123412341234}" type="slidenum">
               <a:rPr lang="en-US"/>
-              <a:t>‹#›</a:t>
+              <a:t>‹Nr.›</a:t>
             </a:fld>
             <a:endParaRPr/>
           </a:p>
@@ -13376,7 +13376,7 @@
             </a:pPr>
             <a:fld id="{00000000-1234-1234-1234-123412341234}" type="slidenum">
               <a:rPr lang="en-US"/>
-              <a:t>‹#›</a:t>
+              <a:t>‹Nr.›</a:t>
             </a:fld>
             <a:endParaRPr/>
           </a:p>
@@ -14762,7 +14762,7 @@
             </a:pPr>
             <a:fld id="{00000000-1234-1234-1234-123412341234}" type="slidenum">
               <a:rPr lang="en-US"/>
-              <a:t>‹#›</a:t>
+              <a:t>‹Nr.›</a:t>
             </a:fld>
             <a:endParaRPr/>
           </a:p>
